--- a/05-Sit/01_Pro_ucitele/Prezentace/52-sit-seriova.pptx
+++ b/05-Sit/01_Pro_ucitele/Prezentace/52-sit-seriova.pptx
@@ -7014,7 +7014,7 @@
         </p:nvSpPr>
         <p:spPr>
           <a:xfrm>
-            <a:off x="504000" y="301320"/>
+            <a:off x="382841" y="0"/>
             <a:ext cx="9072000" cy="1261800"/>
           </a:xfrm>
         </p:spPr>
@@ -7022,6 +7022,7 @@
           <a:bodyPr/>
           <a:lstStyle/>
           <a:p>
+            <a:pPr algn="ctr"/>
             <a:r>
               <a:rPr lang="cs-CZ"/>
               <a:t>Zapojení</a:t>
